--- a/lectures/week_4/Control.pptx
+++ b/lectures/week_4/Control.pptx
@@ -225,7 +225,7 @@
           <a:p>
             <a:fld id="{7E02BF5D-E726-4897-BF94-6D70AA3D8F61}" type="datetimeFigureOut">
               <a:rPr lang="en-US" smtClean="0"/>
-              <a:t>2/23/2016</a:t>
+              <a:t>2/13/2017</a:t>
             </a:fld>
             <a:endParaRPr lang="en-US"/>
           </a:p>
@@ -821,7 +821,31 @@
                 <a:ea typeface="+mn-ea"/>
                 <a:cs typeface="+mn-cs"/>
               </a:rPr>
-              <a:t>The proportional term produces an output value that is proportional to the current error value. constant </a:t>
+              <a:t>The proportional term produces an output value that is proportional to the current error value. </a:t>
+            </a:r>
+            <a:r>
+              <a:rPr lang="en-US" sz="1200" b="0" i="0" kern="1200" dirty="0" smtClean="0">
+                <a:solidFill>
+                  <a:schemeClr val="tx1"/>
+                </a:solidFill>
+                <a:effectLst/>
+                <a:latin typeface="+mn-lt"/>
+                <a:ea typeface="+mn-ea"/>
+                <a:cs typeface="+mn-cs"/>
+              </a:rPr>
+              <a:t>Constant</a:t>
+            </a:r>
+            <a:r>
+              <a:rPr lang="en-US" sz="1200" b="0" i="0" kern="1200" dirty="0" smtClean="0">
+                <a:solidFill>
+                  <a:schemeClr val="tx1"/>
+                </a:solidFill>
+                <a:effectLst/>
+                <a:latin typeface="+mn-lt"/>
+                <a:ea typeface="+mn-ea"/>
+                <a:cs typeface="+mn-cs"/>
+              </a:rPr>
+              <a:t> </a:t>
             </a:r>
             <a:r>
               <a:rPr lang="en-US" sz="1200" b="0" i="1" kern="1200" dirty="0" err="1" smtClean="0">
@@ -1083,6 +1107,18 @@
               <a:t>The integral term accelerates the movement of the process towards </a:t>
             </a:r>
             <a:r>
+              <a:rPr lang="en-US" sz="1200" b="0" i="0" kern="1200" dirty="0" smtClean="0">
+                <a:solidFill>
+                  <a:schemeClr val="tx1"/>
+                </a:solidFill>
+                <a:effectLst/>
+                <a:latin typeface="+mn-lt"/>
+                <a:ea typeface="+mn-ea"/>
+                <a:cs typeface="+mn-cs"/>
+              </a:rPr>
+              <a:t> the </a:t>
+            </a:r>
+            <a:r>
               <a:rPr lang="en-US" sz="1200" b="0" i="0" kern="1200" dirty="0" err="1" smtClean="0">
                 <a:solidFill>
                   <a:schemeClr val="tx1"/>
@@ -1104,7 +1140,19 @@
                 <a:ea typeface="+mn-ea"/>
                 <a:cs typeface="+mn-cs"/>
               </a:rPr>
-              <a:t> and eliminates the residual steady-state error that occurs with a pure proportional controller. However, since the integral term responds to accumulated errors from the past, it can cause the present value to </a:t>
+              <a:t> </a:t>
+            </a:r>
+            <a:r>
+              <a:rPr lang="en-US" sz="1200" b="0" i="0" kern="1200" dirty="0" smtClean="0">
+                <a:solidFill>
+                  <a:schemeClr val="tx1"/>
+                </a:solidFill>
+                <a:effectLst/>
+                <a:latin typeface="+mn-lt"/>
+                <a:ea typeface="+mn-ea"/>
+                <a:cs typeface="+mn-cs"/>
+              </a:rPr>
+              <a:t>and eliminates the residual steady-state error that occurs with a pure proportional controller. However, since the integral term responds to accumulated errors from the past, it can cause the present value to </a:t>
             </a:r>
             <a:r>
               <a:rPr lang="en-US" sz="1200" b="0" i="0" u="none" strike="noStrike" kern="1200" dirty="0" smtClean="0">
@@ -1153,7 +1201,19 @@
                 <a:ea typeface="+mn-ea"/>
                 <a:cs typeface="+mn-cs"/>
               </a:rPr>
-              <a:t> value</a:t>
+              <a:t> </a:t>
+            </a:r>
+            <a:r>
+              <a:rPr lang="en-US" sz="1200" b="0" i="0" kern="1200" dirty="0" smtClean="0">
+                <a:solidFill>
+                  <a:schemeClr val="tx1"/>
+                </a:solidFill>
+                <a:effectLst/>
+                <a:latin typeface="+mn-lt"/>
+                <a:ea typeface="+mn-ea"/>
+                <a:cs typeface="+mn-cs"/>
+              </a:rPr>
+              <a:t>value.</a:t>
             </a:r>
             <a:endParaRPr dirty="0"/>
           </a:p>
@@ -1382,6 +1442,258 @@
 </file>
 
 <file path=ppt/notesSlides/notesSlide14.xml><?xml version="1.0" encoding="utf-8"?>
+<p:notes xmlns:a="http://schemas.openxmlformats.org/drawingml/2006/main" xmlns:r="http://schemas.openxmlformats.org/officeDocument/2006/relationships" xmlns:p="http://schemas.openxmlformats.org/presentationml/2006/main">
+  <p:cSld>
+    <p:spTree>
+      <p:nvGrpSpPr>
+        <p:cNvPr id="1" name=""/>
+        <p:cNvGrpSpPr/>
+        <p:nvPr/>
+      </p:nvGrpSpPr>
+      <p:grpSpPr>
+        <a:xfrm>
+          <a:off x="0" y="0"/>
+          <a:ext cx="0" cy="0"/>
+          <a:chOff x="0" y="0"/>
+          <a:chExt cx="0" cy="0"/>
+        </a:xfrm>
+      </p:grpSpPr>
+      <p:sp>
+        <p:nvSpPr>
+          <p:cNvPr id="2" name="Slide Image Placeholder 1"/>
+          <p:cNvSpPr>
+            <a:spLocks noGrp="1" noRot="1" noChangeAspect="1"/>
+          </p:cNvSpPr>
+          <p:nvPr>
+            <p:ph type="sldImg"/>
+          </p:nvPr>
+        </p:nvSpPr>
+        <p:spPr/>
+      </p:sp>
+      <p:sp>
+        <p:nvSpPr>
+          <p:cNvPr id="3" name="Notes Placeholder 2"/>
+          <p:cNvSpPr>
+            <a:spLocks noGrp="1"/>
+          </p:cNvSpPr>
+          <p:nvPr>
+            <p:ph type="body" idx="1"/>
+          </p:nvPr>
+        </p:nvSpPr>
+        <p:spPr/>
+        <p:txBody>
+          <a:bodyPr/>
+          <a:lstStyle/>
+          <a:p>
+            <a:endParaRPr lang="en-US"/>
+          </a:p>
+        </p:txBody>
+      </p:sp>
+      <p:sp>
+        <p:nvSpPr>
+          <p:cNvPr id="4" name="Slide Number Placeholder 3"/>
+          <p:cNvSpPr>
+            <a:spLocks noGrp="1"/>
+          </p:cNvSpPr>
+          <p:nvPr>
+            <p:ph type="sldNum" sz="quarter" idx="10"/>
+          </p:nvPr>
+        </p:nvSpPr>
+        <p:spPr/>
+        <p:txBody>
+          <a:bodyPr/>
+          <a:lstStyle/>
+          <a:p>
+            <a:fld id="{4B545092-9F69-4B43-8340-8E95C1D25FED}" type="slidenum">
+              <a:rPr lang="en-US" smtClean="0"/>
+              <a:t>17</a:t>
+            </a:fld>
+            <a:endParaRPr lang="en-US"/>
+          </a:p>
+        </p:txBody>
+      </p:sp>
+    </p:spTree>
+    <p:extLst>
+      <p:ext uri="{BB962C8B-B14F-4D97-AF65-F5344CB8AC3E}">
+        <p14:creationId xmlns:p14="http://schemas.microsoft.com/office/powerpoint/2010/main" val="3514103136"/>
+      </p:ext>
+    </p:extLst>
+  </p:cSld>
+  <p:clrMapOvr>
+    <a:masterClrMapping/>
+  </p:clrMapOvr>
+</p:notes>
+</file>
+
+<file path=ppt/notesSlides/notesSlide15.xml><?xml version="1.0" encoding="utf-8"?>
+<p:notes xmlns:a="http://schemas.openxmlformats.org/drawingml/2006/main" xmlns:r="http://schemas.openxmlformats.org/officeDocument/2006/relationships" xmlns:p="http://schemas.openxmlformats.org/presentationml/2006/main">
+  <p:cSld>
+    <p:spTree>
+      <p:nvGrpSpPr>
+        <p:cNvPr id="1" name=""/>
+        <p:cNvGrpSpPr/>
+        <p:nvPr/>
+      </p:nvGrpSpPr>
+      <p:grpSpPr>
+        <a:xfrm>
+          <a:off x="0" y="0"/>
+          <a:ext cx="0" cy="0"/>
+          <a:chOff x="0" y="0"/>
+          <a:chExt cx="0" cy="0"/>
+        </a:xfrm>
+      </p:grpSpPr>
+      <p:sp>
+        <p:nvSpPr>
+          <p:cNvPr id="2" name="Slide Image Placeholder 1"/>
+          <p:cNvSpPr>
+            <a:spLocks noGrp="1" noRot="1" noChangeAspect="1"/>
+          </p:cNvSpPr>
+          <p:nvPr>
+            <p:ph type="sldImg"/>
+          </p:nvPr>
+        </p:nvSpPr>
+        <p:spPr/>
+      </p:sp>
+      <p:sp>
+        <p:nvSpPr>
+          <p:cNvPr id="3" name="Notes Placeholder 2"/>
+          <p:cNvSpPr>
+            <a:spLocks noGrp="1"/>
+          </p:cNvSpPr>
+          <p:nvPr>
+            <p:ph type="body" idx="1"/>
+          </p:nvPr>
+        </p:nvSpPr>
+        <p:spPr/>
+        <p:txBody>
+          <a:bodyPr/>
+          <a:lstStyle/>
+          <a:p>
+            <a:endParaRPr lang="en-US"/>
+          </a:p>
+        </p:txBody>
+      </p:sp>
+      <p:sp>
+        <p:nvSpPr>
+          <p:cNvPr id="4" name="Slide Number Placeholder 3"/>
+          <p:cNvSpPr>
+            <a:spLocks noGrp="1"/>
+          </p:cNvSpPr>
+          <p:nvPr>
+            <p:ph type="sldNum" sz="quarter" idx="10"/>
+          </p:nvPr>
+        </p:nvSpPr>
+        <p:spPr/>
+        <p:txBody>
+          <a:bodyPr/>
+          <a:lstStyle/>
+          <a:p>
+            <a:fld id="{4B545092-9F69-4B43-8340-8E95C1D25FED}" type="slidenum">
+              <a:rPr lang="en-US" smtClean="0"/>
+              <a:t>18</a:t>
+            </a:fld>
+            <a:endParaRPr lang="en-US"/>
+          </a:p>
+        </p:txBody>
+      </p:sp>
+    </p:spTree>
+    <p:extLst>
+      <p:ext uri="{BB962C8B-B14F-4D97-AF65-F5344CB8AC3E}">
+        <p14:creationId xmlns:p14="http://schemas.microsoft.com/office/powerpoint/2010/main" val="123379155"/>
+      </p:ext>
+    </p:extLst>
+  </p:cSld>
+  <p:clrMapOvr>
+    <a:masterClrMapping/>
+  </p:clrMapOvr>
+</p:notes>
+</file>
+
+<file path=ppt/notesSlides/notesSlide16.xml><?xml version="1.0" encoding="utf-8"?>
+<p:notes xmlns:a="http://schemas.openxmlformats.org/drawingml/2006/main" xmlns:r="http://schemas.openxmlformats.org/officeDocument/2006/relationships" xmlns:p="http://schemas.openxmlformats.org/presentationml/2006/main">
+  <p:cSld>
+    <p:spTree>
+      <p:nvGrpSpPr>
+        <p:cNvPr id="1" name=""/>
+        <p:cNvGrpSpPr/>
+        <p:nvPr/>
+      </p:nvGrpSpPr>
+      <p:grpSpPr>
+        <a:xfrm>
+          <a:off x="0" y="0"/>
+          <a:ext cx="0" cy="0"/>
+          <a:chOff x="0" y="0"/>
+          <a:chExt cx="0" cy="0"/>
+        </a:xfrm>
+      </p:grpSpPr>
+      <p:sp>
+        <p:nvSpPr>
+          <p:cNvPr id="2" name="Slide Image Placeholder 1"/>
+          <p:cNvSpPr>
+            <a:spLocks noGrp="1" noRot="1" noChangeAspect="1"/>
+          </p:cNvSpPr>
+          <p:nvPr>
+            <p:ph type="sldImg"/>
+          </p:nvPr>
+        </p:nvSpPr>
+        <p:spPr/>
+      </p:sp>
+      <p:sp>
+        <p:nvSpPr>
+          <p:cNvPr id="3" name="Notes Placeholder 2"/>
+          <p:cNvSpPr>
+            <a:spLocks noGrp="1"/>
+          </p:cNvSpPr>
+          <p:nvPr>
+            <p:ph type="body" idx="1"/>
+          </p:nvPr>
+        </p:nvSpPr>
+        <p:spPr/>
+        <p:txBody>
+          <a:bodyPr/>
+          <a:lstStyle/>
+          <a:p>
+            <a:endParaRPr lang="en-US"/>
+          </a:p>
+        </p:txBody>
+      </p:sp>
+      <p:sp>
+        <p:nvSpPr>
+          <p:cNvPr id="4" name="Slide Number Placeholder 3"/>
+          <p:cNvSpPr>
+            <a:spLocks noGrp="1"/>
+          </p:cNvSpPr>
+          <p:nvPr>
+            <p:ph type="sldNum" sz="quarter" idx="10"/>
+          </p:nvPr>
+        </p:nvSpPr>
+        <p:spPr/>
+        <p:txBody>
+          <a:bodyPr/>
+          <a:lstStyle/>
+          <a:p>
+            <a:fld id="{4B545092-9F69-4B43-8340-8E95C1D25FED}" type="slidenum">
+              <a:rPr lang="en-US" smtClean="0"/>
+              <a:t>19</a:t>
+            </a:fld>
+            <a:endParaRPr lang="en-US"/>
+          </a:p>
+        </p:txBody>
+      </p:sp>
+    </p:spTree>
+    <p:extLst>
+      <p:ext uri="{BB962C8B-B14F-4D97-AF65-F5344CB8AC3E}">
+        <p14:creationId xmlns:p14="http://schemas.microsoft.com/office/powerpoint/2010/main" val="1175653449"/>
+      </p:ext>
+    </p:extLst>
+  </p:cSld>
+  <p:clrMapOvr>
+    <a:masterClrMapping/>
+  </p:clrMapOvr>
+</p:notes>
+</file>
+
+<file path=ppt/notesSlides/notesSlide17.xml><?xml version="1.0" encoding="utf-8"?>
 <p:notes xmlns:a="http://schemas.openxmlformats.org/drawingml/2006/main" xmlns:r="http://schemas.openxmlformats.org/officeDocument/2006/relationships" xmlns:p="http://schemas.openxmlformats.org/presentationml/2006/main" showMasterSp="0" showMasterPhAnim="0">
   <p:cSld>
     <p:spTree>
@@ -1482,7 +1794,7 @@
 </p:notes>
 </file>
 
-<file path=ppt/notesSlides/notesSlide15.xml><?xml version="1.0" encoding="utf-8"?>
+<file path=ppt/notesSlides/notesSlide18.xml><?xml version="1.0" encoding="utf-8"?>
 <p:notes xmlns:a="http://schemas.openxmlformats.org/drawingml/2006/main" xmlns:r="http://schemas.openxmlformats.org/officeDocument/2006/relationships" xmlns:p="http://schemas.openxmlformats.org/presentationml/2006/main">
   <p:cSld>
     <p:spTree>
@@ -2706,7 +3018,7 @@
           <a:p>
             <a:fld id="{B953E373-EAB8-4694-8481-21DB93ACEB8B}" type="datetimeFigureOut">
               <a:rPr lang="en-US" smtClean="0"/>
-              <a:t>2/23/2016</a:t>
+              <a:t>2/13/2017</a:t>
             </a:fld>
             <a:endParaRPr lang="en-US"/>
           </a:p>
@@ -2876,7 +3188,7 @@
           <a:p>
             <a:fld id="{B953E373-EAB8-4694-8481-21DB93ACEB8B}" type="datetimeFigureOut">
               <a:rPr lang="en-US" smtClean="0"/>
-              <a:t>2/23/2016</a:t>
+              <a:t>2/13/2017</a:t>
             </a:fld>
             <a:endParaRPr lang="en-US"/>
           </a:p>
@@ -3056,7 +3368,7 @@
           <a:p>
             <a:fld id="{B953E373-EAB8-4694-8481-21DB93ACEB8B}" type="datetimeFigureOut">
               <a:rPr lang="en-US" smtClean="0"/>
-              <a:t>2/23/2016</a:t>
+              <a:t>2/13/2017</a:t>
             </a:fld>
             <a:endParaRPr lang="en-US"/>
           </a:p>
@@ -5610,7 +5922,7 @@
           <a:p>
             <a:fld id="{B953E373-EAB8-4694-8481-21DB93ACEB8B}" type="datetimeFigureOut">
               <a:rPr lang="en-US" smtClean="0"/>
-              <a:t>2/23/2016</a:t>
+              <a:t>2/13/2017</a:t>
             </a:fld>
             <a:endParaRPr lang="en-US"/>
           </a:p>
@@ -7350,7 +7662,7 @@
           <a:p>
             <a:fld id="{B953E373-EAB8-4694-8481-21DB93ACEB8B}" type="datetimeFigureOut">
               <a:rPr lang="en-US" smtClean="0"/>
-              <a:t>2/23/2016</a:t>
+              <a:t>2/13/2017</a:t>
             </a:fld>
             <a:endParaRPr lang="en-US"/>
           </a:p>
@@ -7638,7 +7950,7 @@
           <a:p>
             <a:fld id="{B953E373-EAB8-4694-8481-21DB93ACEB8B}" type="datetimeFigureOut">
               <a:rPr lang="en-US" smtClean="0"/>
-              <a:t>2/23/2016</a:t>
+              <a:t>2/13/2017</a:t>
             </a:fld>
             <a:endParaRPr lang="en-US"/>
           </a:p>
@@ -8060,7 +8372,7 @@
           <a:p>
             <a:fld id="{B953E373-EAB8-4694-8481-21DB93ACEB8B}" type="datetimeFigureOut">
               <a:rPr lang="en-US" smtClean="0"/>
-              <a:t>2/23/2016</a:t>
+              <a:t>2/13/2017</a:t>
             </a:fld>
             <a:endParaRPr lang="en-US"/>
           </a:p>
@@ -8178,7 +8490,7 @@
           <a:p>
             <a:fld id="{B953E373-EAB8-4694-8481-21DB93ACEB8B}" type="datetimeFigureOut">
               <a:rPr lang="en-US" smtClean="0"/>
-              <a:t>2/23/2016</a:t>
+              <a:t>2/13/2017</a:t>
             </a:fld>
             <a:endParaRPr lang="en-US"/>
           </a:p>
@@ -8273,7 +8585,7 @@
           <a:p>
             <a:fld id="{B953E373-EAB8-4694-8481-21DB93ACEB8B}" type="datetimeFigureOut">
               <a:rPr lang="en-US" smtClean="0"/>
-              <a:t>2/23/2016</a:t>
+              <a:t>2/13/2017</a:t>
             </a:fld>
             <a:endParaRPr lang="en-US"/>
           </a:p>
@@ -8550,7 +8862,7 @@
           <a:p>
             <a:fld id="{B953E373-EAB8-4694-8481-21DB93ACEB8B}" type="datetimeFigureOut">
               <a:rPr lang="en-US" smtClean="0"/>
-              <a:t>2/23/2016</a:t>
+              <a:t>2/13/2017</a:t>
             </a:fld>
             <a:endParaRPr lang="en-US"/>
           </a:p>
@@ -8803,7 +9115,7 @@
           <a:p>
             <a:fld id="{B953E373-EAB8-4694-8481-21DB93ACEB8B}" type="datetimeFigureOut">
               <a:rPr lang="en-US" smtClean="0"/>
-              <a:t>2/23/2016</a:t>
+              <a:t>2/13/2017</a:t>
             </a:fld>
             <a:endParaRPr lang="en-US"/>
           </a:p>
@@ -9016,7 +9328,7 @@
           <a:p>
             <a:fld id="{B953E373-EAB8-4694-8481-21DB93ACEB8B}" type="datetimeFigureOut">
               <a:rPr lang="en-US" smtClean="0"/>
-              <a:t>2/23/2016</a:t>
+              <a:t>2/13/2017</a:t>
             </a:fld>
             <a:endParaRPr lang="en-US"/>
           </a:p>
@@ -11946,7 +12258,7 @@
           <p:nvPr/>
         </p:nvPicPr>
         <p:blipFill>
-          <a:blip r:embed="rId2">
+          <a:blip r:embed="rId3">
             <a:extLst>
               <a:ext uri="{28A0092B-C50C-407E-A947-70E740481C1C}">
                 <a14:useLocalDpi xmlns:a14="http://schemas.microsoft.com/office/drawing/2010/main" val="0"/>
@@ -12058,7 +12370,7 @@
           </p:nvPr>
         </p:nvPicPr>
         <p:blipFill>
-          <a:blip r:embed="rId2">
+          <a:blip r:embed="rId3">
             <a:extLst>
               <a:ext uri="{28A0092B-C50C-407E-A947-70E740481C1C}">
                 <a14:useLocalDpi xmlns:a14="http://schemas.microsoft.com/office/drawing/2010/main" val="0"/>
@@ -12269,41 +12581,90 @@
             <p:ph idx="1"/>
           </p:nvPr>
         </p:nvSpPr>
-        <p:spPr/>
+        <p:spPr>
+          <a:xfrm>
+            <a:off x="457200" y="1600201"/>
+            <a:ext cx="8001000" cy="2971800"/>
+          </a:xfrm>
+        </p:spPr>
         <p:txBody>
           <a:bodyPr/>
           <a:lstStyle/>
           <a:p>
             <a:r>
-              <a:rPr lang="en-US" b="1" dirty="0" smtClean="0"/>
+              <a:rPr lang="en-US" sz="2400" b="1" dirty="0" smtClean="0"/>
               <a:t>Steady state error:  </a:t>
             </a:r>
             <a:r>
-              <a:rPr lang="en-US" dirty="0" smtClean="0"/>
+              <a:rPr lang="en-US" sz="2400" dirty="0" smtClean="0"/>
               <a:t>the system’s percent of error in the limit</a:t>
             </a:r>
           </a:p>
           <a:p>
             <a:r>
-              <a:rPr lang="en-US" b="1" dirty="0" smtClean="0"/>
+              <a:rPr lang="en-US" sz="2400" b="1" dirty="0" smtClean="0"/>
               <a:t>Rise time: </a:t>
             </a:r>
             <a:r>
-              <a:rPr lang="en-US" dirty="0"/>
+              <a:rPr lang="en-US" sz="2400" dirty="0"/>
               <a:t> the time taken  to change from a specified low value to a specified high </a:t>
             </a:r>
             <a:r>
-              <a:rPr lang="en-US" dirty="0" smtClean="0"/>
+              <a:rPr lang="en-US" sz="2400" dirty="0" smtClean="0"/>
               <a:t>value (usually 10% and 90%) of the </a:t>
             </a:r>
             <a:r>
-              <a:rPr lang="en-US" dirty="0" err="1" smtClean="0"/>
-              <a:t>outpu</a:t>
-            </a:r>
-            <a:endParaRPr lang="en-US" b="1" dirty="0" smtClean="0"/>
+              <a:rPr lang="en-US" sz="2400" dirty="0" smtClean="0"/>
+              <a:t>output</a:t>
+            </a:r>
+            <a:endParaRPr lang="en-US" sz="2400" b="1" dirty="0" smtClean="0"/>
           </a:p>
           <a:p>
             <a:endParaRPr lang="en-US" dirty="0"/>
+          </a:p>
+        </p:txBody>
+      </p:sp>
+      <p:sp>
+        <p:nvSpPr>
+          <p:cNvPr id="4" name="TextBox 3"/>
+          <p:cNvSpPr txBox="1"/>
+          <p:nvPr/>
+        </p:nvSpPr>
+        <p:spPr>
+          <a:xfrm>
+            <a:off x="685800" y="4454385"/>
+            <a:ext cx="6815199" cy="830997"/>
+          </a:xfrm>
+          <a:prstGeom prst="rect">
+            <a:avLst/>
+          </a:prstGeom>
+          <a:noFill/>
+        </p:spPr>
+        <p:txBody>
+          <a:bodyPr wrap="none" rtlCol="0">
+            <a:spAutoFit/>
+          </a:bodyPr>
+          <a:lstStyle/>
+          <a:p>
+            <a:r>
+              <a:rPr lang="en-US" sz="2400" dirty="0" smtClean="0"/>
+              <a:t>A system is </a:t>
+            </a:r>
+            <a:r>
+              <a:rPr lang="en-US" sz="2400" i="1" dirty="0" smtClean="0"/>
+              <a:t>stable</a:t>
+            </a:r>
+            <a:r>
+              <a:rPr lang="en-US" sz="2400" dirty="0" smtClean="0"/>
+              <a:t>,  if its response to a bounded input </a:t>
+            </a:r>
+          </a:p>
+          <a:p>
+            <a:r>
+              <a:rPr lang="en-US" sz="2400" dirty="0" smtClean="0"/>
+              <a:t>is itself bounded.</a:t>
+            </a:r>
+            <a:endParaRPr lang="en-US" sz="2400" dirty="0"/>
           </a:p>
         </p:txBody>
       </p:sp>
@@ -14325,7 +14686,7 @@
       </p:sp>
       <p:pic>
         <p:nvPicPr>
-          <p:cNvPr id="7" name="Picture 6"/>
+          <p:cNvPr id="3" name="Picture 2"/>
           <p:cNvPicPr>
             <a:picLocks noChangeAspect="1"/>
           </p:cNvPicPr>
@@ -14350,7 +14711,7 @@
         <p:spPr>
           <a:xfrm>
             <a:off x="838200" y="1893332"/>
-            <a:ext cx="3617682" cy="950976"/>
+            <a:ext cx="3211830" cy="875538"/>
           </a:xfrm>
           <a:prstGeom prst="rect">
             <a:avLst/>
@@ -14365,8 +14726,8 @@
         </p:nvSpPr>
         <p:spPr>
           <a:xfrm>
-            <a:off x="4876800" y="1893332"/>
-            <a:ext cx="2106346" cy="461665"/>
+            <a:off x="4876799" y="1893332"/>
+            <a:ext cx="3041667" cy="461665"/>
           </a:xfrm>
           <a:prstGeom prst="rect">
             <a:avLst/>
@@ -14380,12 +14741,12 @@
           <a:lstStyle/>
           <a:p>
             <a:r>
-              <a:rPr lang="en-US" sz="2400" dirty="0"/>
-              <a:t>s</a:t>
-            </a:r>
-            <a:r>
               <a:rPr lang="en-US" sz="2400" dirty="0" smtClean="0"/>
-              <a:t>tate equations</a:t>
+              <a:t>System state </a:t>
+            </a:r>
+            <a:r>
+              <a:rPr lang="en-US" sz="2400" dirty="0" smtClean="0"/>
+              <a:t>equations</a:t>
             </a:r>
             <a:endParaRPr lang="en-US" sz="2400" dirty="0"/>
           </a:p>
@@ -14484,6 +14845,35 @@
               <a:t>For the robot control problem  y(t) = x(t) </a:t>
             </a:r>
             <a:endParaRPr lang="en-US" dirty="0"/>
+          </a:p>
+        </p:txBody>
+      </p:sp>
+      <p:sp>
+        <p:nvSpPr>
+          <p:cNvPr id="5" name="Rectangle 4"/>
+          <p:cNvSpPr/>
+          <p:nvPr/>
+        </p:nvSpPr>
+        <p:spPr>
+          <a:xfrm>
+            <a:off x="4876799" y="2366279"/>
+            <a:ext cx="2387513" cy="461665"/>
+          </a:xfrm>
+          <a:prstGeom prst="rect">
+            <a:avLst/>
+          </a:prstGeom>
+        </p:spPr>
+        <p:txBody>
+          <a:bodyPr wrap="none">
+            <a:spAutoFit/>
+          </a:bodyPr>
+          <a:lstStyle/>
+          <a:p>
+            <a:r>
+              <a:rPr lang="en-US" sz="2400" dirty="0" smtClean="0"/>
+              <a:t>Output equations</a:t>
+            </a:r>
+            <a:endParaRPr lang="en-US" sz="2400" dirty="0"/>
           </a:p>
         </p:txBody>
       </p:sp>
@@ -16080,7 +16470,7 @@
           <a:graphicData uri="http://schemas.openxmlformats.org/presentationml/2006/ole">
             <mc:AlternateContent xmlns:mc="http://schemas.openxmlformats.org/markup-compatibility/2006">
               <mc:Choice xmlns:v="urn:schemas-microsoft-com:vml" Requires="v">
-                <p:oleObj spid="_x0000_s4131" name="Equation" r:id="rId4" imgW="1269720" imgH="482400" progId="Equation.3">
+                <p:oleObj spid="_x0000_s4146" name="Equation" r:id="rId4" imgW="1269720" imgH="482400" progId="Equation.3">
                   <p:embed/>
                 </p:oleObj>
               </mc:Choice>
@@ -16173,7 +16563,7 @@
           <a:graphicData uri="http://schemas.openxmlformats.org/presentationml/2006/ole">
             <mc:AlternateContent xmlns:mc="http://schemas.openxmlformats.org/markup-compatibility/2006">
               <mc:Choice xmlns:v="urn:schemas-microsoft-com:vml" Requires="v">
-                <p:oleObj spid="_x0000_s4132" name="Equation" r:id="rId6" imgW="1460160" imgH="736560" progId="Equation.3">
+                <p:oleObj spid="_x0000_s4147" name="Equation" r:id="rId6" imgW="1460160" imgH="736560" progId="Equation.3">
                   <p:embed/>
                 </p:oleObj>
               </mc:Choice>
@@ -16272,7 +16662,7 @@
           <a:graphicData uri="http://schemas.openxmlformats.org/presentationml/2006/ole">
             <mc:AlternateContent xmlns:mc="http://schemas.openxmlformats.org/markup-compatibility/2006">
               <mc:Choice xmlns:v="urn:schemas-microsoft-com:vml" Requires="v">
-                <p:oleObj spid="_x0000_s4133" name="Equation" r:id="rId8" imgW="711000" imgH="279360" progId="Equation.3">
+                <p:oleObj spid="_x0000_s4148" name="Equation" r:id="rId8" imgW="711000" imgH="279360" progId="Equation.3">
                   <p:embed/>
                 </p:oleObj>
               </mc:Choice>
@@ -16863,7 +17253,7 @@
           <a:graphicData uri="http://schemas.openxmlformats.org/presentationml/2006/ole">
             <mc:AlternateContent xmlns:mc="http://schemas.openxmlformats.org/markup-compatibility/2006">
               <mc:Choice xmlns:v="urn:schemas-microsoft-com:vml" Requires="v">
-                <p:oleObj spid="_x0000_s6179" name="Equation" r:id="rId4" imgW="1257120" imgH="685800" progId="Equation.3">
+                <p:oleObj spid="_x0000_s6194" name="Equation" r:id="rId4" imgW="1257120" imgH="685800" progId="Equation.3">
                   <p:embed/>
                 </p:oleObj>
               </mc:Choice>
@@ -16962,7 +17352,7 @@
           <a:graphicData uri="http://schemas.openxmlformats.org/presentationml/2006/ole">
             <mc:AlternateContent xmlns:mc="http://schemas.openxmlformats.org/markup-compatibility/2006">
               <mc:Choice xmlns:v="urn:schemas-microsoft-com:vml" Requires="v">
-                <p:oleObj spid="_x0000_s6180" name="Equation" r:id="rId6" imgW="114120" imgH="164880" progId="Equation.3">
+                <p:oleObj spid="_x0000_s6195" name="Equation" r:id="rId6" imgW="114120" imgH="164880" progId="Equation.3">
                   <p:embed/>
                 </p:oleObj>
               </mc:Choice>
@@ -17061,7 +17451,7 @@
           <a:graphicData uri="http://schemas.openxmlformats.org/presentationml/2006/ole">
             <mc:AlternateContent xmlns:mc="http://schemas.openxmlformats.org/markup-compatibility/2006">
               <mc:Choice xmlns:v="urn:schemas-microsoft-com:vml" Requires="v">
-                <p:oleObj spid="_x0000_s6181" name="Equation" r:id="rId8" imgW="126720" imgH="190440" progId="Equation.3">
+                <p:oleObj spid="_x0000_s6196" name="Equation" r:id="rId8" imgW="126720" imgH="190440" progId="Equation.3">
                   <p:embed/>
                 </p:oleObj>
               </mc:Choice>
@@ -20041,7 +20431,7 @@
           <a:graphicData uri="http://schemas.openxmlformats.org/presentationml/2006/ole">
             <mc:AlternateContent xmlns:mc="http://schemas.openxmlformats.org/markup-compatibility/2006">
               <mc:Choice xmlns:v="urn:schemas-microsoft-com:vml" Requires="v">
-                <p:oleObj spid="_x0000_s7181" name="Equation" r:id="rId3" imgW="927000" imgH="203040" progId="Equation.3">
+                <p:oleObj spid="_x0000_s7186" name="Equation" r:id="rId3" imgW="927000" imgH="203040" progId="Equation.3">
                   <p:embed/>
                 </p:oleObj>
               </mc:Choice>
@@ -24685,7 +25075,7 @@
           <a:graphicData uri="http://schemas.openxmlformats.org/presentationml/2006/ole">
             <mc:AlternateContent xmlns:mc="http://schemas.openxmlformats.org/markup-compatibility/2006">
               <mc:Choice xmlns:v="urn:schemas-microsoft-com:vml" Requires="v">
-                <p:oleObj spid="_x0000_s8202" name="Equation" r:id="rId5" imgW="1231560" imgH="241200" progId="Equation.3">
+                <p:oleObj spid="_x0000_s8207" name="Equation" r:id="rId5" imgW="1231560" imgH="241200" progId="Equation.3">
                   <p:embed/>
                 </p:oleObj>
               </mc:Choice>
@@ -25429,7 +25819,7 @@
           <a:graphicData uri="http://schemas.openxmlformats.org/presentationml/2006/ole">
             <mc:AlternateContent xmlns:mc="http://schemas.openxmlformats.org/markup-compatibility/2006">
               <mc:Choice xmlns:v="urn:schemas-microsoft-com:vml" Requires="v">
-                <p:oleObj spid="_x0000_s10254" name="Equation" r:id="rId3" imgW="1765080" imgH="228600" progId="Equation.3">
+                <p:oleObj spid="_x0000_s10264" name="Equation" r:id="rId3" imgW="1765080" imgH="228600" progId="Equation.3">
                   <p:embed/>
                 </p:oleObj>
               </mc:Choice>
@@ -25686,7 +26076,7 @@
           <a:graphicData uri="http://schemas.openxmlformats.org/presentationml/2006/ole">
             <mc:AlternateContent xmlns:mc="http://schemas.openxmlformats.org/markup-compatibility/2006">
               <mc:Choice xmlns:v="urn:schemas-microsoft-com:vml" Requires="v">
-                <p:oleObj spid="_x0000_s10255" name="Equation" r:id="rId8" imgW="1231560" imgH="241200" progId="Equation.3">
+                <p:oleObj spid="_x0000_s10265" name="Equation" r:id="rId8" imgW="1231560" imgH="241200" progId="Equation.3">
                   <p:embed/>
                 </p:oleObj>
               </mc:Choice>
@@ -25843,7 +26233,15 @@
             </a:pPr>
             <a:r>
               <a:rPr lang="en-US" dirty="0"/>
-              <a:t>• Set intermediate positions lying on the requested path. !</a:t>
+              <a:t>• Set intermediate positions lying on the requested </a:t>
+            </a:r>
+            <a:r>
+              <a:rPr lang="en-US" dirty="0" smtClean="0"/>
+              <a:t>path </a:t>
+            </a:r>
+            <a:r>
+              <a:rPr lang="en-US" dirty="0"/>
+              <a:t>!</a:t>
             </a:r>
           </a:p>
           <a:p>
@@ -25852,8 +26250,13 @@
             </a:pPr>
             <a:r>
               <a:rPr lang="en-US" dirty="0"/>
-              <a:t>• Given a goal how to compute the control commands for !</a:t>
-            </a:r>
+              <a:t>• Given a goal how to compute the control commands </a:t>
+            </a:r>
+            <a:r>
+              <a:rPr lang="en-US" dirty="0" smtClean="0"/>
+              <a:t>for moving on the path !</a:t>
+            </a:r>
+            <a:endParaRPr lang="en-US" dirty="0"/>
           </a:p>
           <a:p>
             <a:pPr marL="0" indent="0">
@@ -27922,7 +28325,7 @@
 
 <file path=ppt/tags/tag1.xml><?xml version="1.0" encoding="utf-8"?>
 <p:tagLst xmlns:a="http://schemas.openxmlformats.org/drawingml/2006/main" xmlns:r="http://schemas.openxmlformats.org/officeDocument/2006/relationships" xmlns:p="http://schemas.openxmlformats.org/presentationml/2006/main">
-  <p:tag name="LATEXADDIN" val="\documentclass{article}&#10;\usepackage{amsmath}&#10;\pagestyle{empty}&#10;\begin{document}&#10;\begin{eqnarray*}&#10;\dot{x(t)} &amp;= &amp; A(x(t) + B u(t)\\&#10;\dot{y(t)} &amp;=&amp;  C x(t)&#10;\end{eqnarray*}&#10;&#10;&#10;&#10;\end{document}"/>
+  <p:tag name="LATEXADDIN" val="\documentclass{article}&#10;\usepackage{amsmath}&#10;\pagestyle{empty}&#10;\begin{document}&#10;\begin{eqnarray*}&#10;\dot{x(t)} &amp;= &amp; A x(t) + B u(t)\\&#10;\dot{y(t)} &amp;=&amp;  C x(t)&#10;\end{eqnarray*}&#10;&#10;&#10;&#10;\end{document}"/>
   <p:tag name="IGUANATEXSIZE" val="20"/>
 </p:tagLst>
 </file>
